--- a/Textbook/第10章-强化学习系统/img/figure.pptx
+++ b/Textbook/第10章-强化学习系统/img/figure.pptx
@@ -3321,44 +3321,12 @@
           <a:chExt cx="0" cy="0"/>
         </a:xfrm>
       </p:grpSpPr>
-      <p:sp>
-        <p:nvSpPr>
-          <p:cNvPr id="29" name="TextBox 28">
-            <a:extLst>
-              <a:ext uri="{FF2B5EF4-FFF2-40B4-BE49-F238E27FC236}">
-                <a16:creationId xmlns:a16="http://schemas.microsoft.com/office/drawing/2014/main" id="{5CADD275-8624-E13B-D448-671184607936}"/>
-              </a:ext>
-            </a:extLst>
-          </p:cNvPr>
-          <p:cNvSpPr txBox="1"/>
-          <p:nvPr/>
-        </p:nvSpPr>
-        <p:spPr>
-          <a:xfrm>
-            <a:off x="8382002" y="1460938"/>
-            <a:ext cx="68315" cy="45719"/>
-          </a:xfrm>
-          <a:prstGeom prst="rect">
-            <a:avLst/>
-          </a:prstGeom>
-          <a:noFill/>
-        </p:spPr>
-        <p:txBody>
-          <a:bodyPr wrap="square" rtlCol="0">
-            <a:spAutoFit/>
-          </a:bodyPr>
-          <a:lstStyle/>
-          <a:p>
-            <a:endParaRPr lang="en-US" dirty="0"/>
-          </a:p>
-        </p:txBody>
-      </p:sp>
       <p:grpSp>
         <p:nvGrpSpPr>
-          <p:cNvPr id="42" name="Group 41">
-            <a:extLst>
-              <a:ext uri="{FF2B5EF4-FFF2-40B4-BE49-F238E27FC236}">
-                <a16:creationId xmlns:a16="http://schemas.microsoft.com/office/drawing/2014/main" id="{628B0B73-5E8A-8D60-97F6-86317B81B212}"/>
+          <p:cNvPr id="47" name="Group 46">
+            <a:extLst>
+              <a:ext uri="{FF2B5EF4-FFF2-40B4-BE49-F238E27FC236}">
+                <a16:creationId xmlns:a16="http://schemas.microsoft.com/office/drawing/2014/main" id="{E9E174EA-D6A6-6FC8-5638-1626EF73A525}"/>
               </a:ext>
             </a:extLst>
           </p:cNvPr>
@@ -3367,208 +3335,965 @@
         </p:nvGrpSpPr>
         <p:grpSpPr>
           <a:xfrm>
-            <a:off x="549966" y="1858616"/>
-            <a:ext cx="9481932" cy="1847750"/>
-            <a:chOff x="549966" y="1858616"/>
-            <a:chExt cx="9481932" cy="1847750"/>
+            <a:off x="549966" y="1460938"/>
+            <a:ext cx="11526733" cy="2245428"/>
+            <a:chOff x="549966" y="1460938"/>
+            <a:chExt cx="11526733" cy="2245428"/>
           </a:xfrm>
         </p:grpSpPr>
         <p:sp>
           <p:nvSpPr>
-            <p:cNvPr id="4" name="Oval 3">
+            <p:cNvPr id="29" name="TextBox 28">
               <a:extLst>
                 <a:ext uri="{FF2B5EF4-FFF2-40B4-BE49-F238E27FC236}">
-                  <a16:creationId xmlns:a16="http://schemas.microsoft.com/office/drawing/2014/main" id="{F699A881-8CED-48BD-50E1-95F5C7C51A54}"/>
+                  <a16:creationId xmlns:a16="http://schemas.microsoft.com/office/drawing/2014/main" id="{5CADD275-8624-E13B-D448-671184607936}"/>
                 </a:ext>
               </a:extLst>
             </p:cNvPr>
-            <p:cNvSpPr/>
+            <p:cNvSpPr txBox="1"/>
             <p:nvPr/>
           </p:nvSpPr>
           <p:spPr>
             <a:xfrm>
-              <a:off x="549966" y="1868557"/>
-              <a:ext cx="1232452" cy="1146313"/>
+              <a:off x="8382002" y="1460938"/>
+              <a:ext cx="68315" cy="45719"/>
             </a:xfrm>
-            <a:prstGeom prst="ellipse">
+            <a:prstGeom prst="rect">
               <a:avLst/>
             </a:prstGeom>
-            <a:ln w="34925">
-              <a:solidFill>
-                <a:srgbClr val="FFFFFF"/>
-              </a:solidFill>
-            </a:ln>
-            <a:effectLst>
-              <a:outerShdw blurRad="317500" dir="2700000" algn="ctr">
-                <a:srgbClr val="000000">
-                  <a:alpha val="43000"/>
-                </a:srgbClr>
-              </a:outerShdw>
-            </a:effectLst>
-            <a:scene3d>
-              <a:camera prst="perspectiveFront" fov="2700000">
-                <a:rot lat="19086000" lon="19067999" rev="3108000"/>
-              </a:camera>
-              <a:lightRig rig="threePt" dir="t">
-                <a:rot lat="0" lon="0" rev="0"/>
-              </a:lightRig>
-            </a:scene3d>
-            <a:sp3d extrusionH="38100" prstMaterial="clear">
-              <a:bevelT w="260350" h="50800" prst="softRound"/>
-              <a:bevelB prst="softRound"/>
-            </a:sp3d>
+            <a:noFill/>
           </p:spPr>
-          <p:style>
-            <a:lnRef idx="2">
-              <a:schemeClr val="dk1"/>
-            </a:lnRef>
-            <a:fillRef idx="1">
-              <a:schemeClr val="lt1"/>
-            </a:fillRef>
-            <a:effectRef idx="0">
-              <a:schemeClr val="dk1"/>
-            </a:effectRef>
-            <a:fontRef idx="minor">
-              <a:schemeClr val="dk1"/>
-            </a:fontRef>
-          </p:style>
           <p:txBody>
-            <a:bodyPr rtlCol="0" anchor="ctr"/>
+            <a:bodyPr wrap="square" rtlCol="0">
+              <a:spAutoFit/>
+            </a:bodyPr>
             <a:lstStyle/>
             <a:p>
-              <a:pPr algn="ctr"/>
-              <a:r>
-                <a:rPr lang="en-US" dirty="0"/>
-                <a:t>2013</a:t>
-              </a:r>
+              <a:endParaRPr lang="en-US" dirty="0"/>
             </a:p>
           </p:txBody>
         </p:sp>
-        <p:cxnSp>
-          <p:nvCxnSpPr>
-            <p:cNvPr id="12" name="Straight Connector 11">
+        <p:grpSp>
+          <p:nvGrpSpPr>
+            <p:cNvPr id="42" name="Group 41">
               <a:extLst>
                 <a:ext uri="{FF2B5EF4-FFF2-40B4-BE49-F238E27FC236}">
-                  <a16:creationId xmlns:a16="http://schemas.microsoft.com/office/drawing/2014/main" id="{E6C4FFA1-A923-D151-DBD0-5CA45F9B6274}"/>
+                  <a16:creationId xmlns:a16="http://schemas.microsoft.com/office/drawing/2014/main" id="{628B0B73-5E8A-8D60-97F6-86317B81B212}"/>
                 </a:ext>
               </a:extLst>
             </p:cNvPr>
-            <p:cNvCxnSpPr/>
+            <p:cNvGrpSpPr/>
             <p:nvPr/>
-          </p:nvCxnSpPr>
-          <p:spPr>
-            <a:xfrm flipV="1">
-              <a:off x="1881809" y="2431774"/>
-              <a:ext cx="0" cy="9939"/>
+          </p:nvGrpSpPr>
+          <p:grpSpPr>
+            <a:xfrm>
+              <a:off x="549966" y="1858616"/>
+              <a:ext cx="9481932" cy="1847750"/>
+              <a:chOff x="549966" y="1858616"/>
+              <a:chExt cx="9481932" cy="1847750"/>
             </a:xfrm>
-            <a:prstGeom prst="line">
-              <a:avLst/>
-            </a:prstGeom>
-          </p:spPr>
-          <p:style>
-            <a:lnRef idx="1">
-              <a:schemeClr val="accent1"/>
-            </a:lnRef>
-            <a:fillRef idx="0">
-              <a:schemeClr val="accent1"/>
-            </a:fillRef>
-            <a:effectRef idx="0">
-              <a:schemeClr val="accent1"/>
-            </a:effectRef>
-            <a:fontRef idx="minor">
-              <a:schemeClr val="tx1"/>
-            </a:fontRef>
-          </p:style>
-        </p:cxnSp>
-        <p:sp>
-          <p:nvSpPr>
-            <p:cNvPr id="6" name="Oval 5">
+          </p:grpSpPr>
+          <p:sp>
+            <p:nvSpPr>
+              <p:cNvPr id="4" name="Oval 3">
+                <a:extLst>
+                  <a:ext uri="{FF2B5EF4-FFF2-40B4-BE49-F238E27FC236}">
+                    <a16:creationId xmlns:a16="http://schemas.microsoft.com/office/drawing/2014/main" id="{F699A881-8CED-48BD-50E1-95F5C7C51A54}"/>
+                  </a:ext>
+                </a:extLst>
+              </p:cNvPr>
+              <p:cNvSpPr/>
+              <p:nvPr/>
+            </p:nvSpPr>
+            <p:spPr>
+              <a:xfrm>
+                <a:off x="549966" y="1868557"/>
+                <a:ext cx="1232452" cy="1146313"/>
+              </a:xfrm>
+              <a:prstGeom prst="ellipse">
+                <a:avLst/>
+              </a:prstGeom>
+              <a:ln w="34925">
+                <a:solidFill>
+                  <a:srgbClr val="FFFFFF"/>
+                </a:solidFill>
+              </a:ln>
+              <a:effectLst>
+                <a:outerShdw blurRad="317500" dir="2700000" algn="ctr">
+                  <a:srgbClr val="000000">
+                    <a:alpha val="43000"/>
+                  </a:srgbClr>
+                </a:outerShdw>
+              </a:effectLst>
+              <a:scene3d>
+                <a:camera prst="perspectiveFront" fov="2700000">
+                  <a:rot lat="19086000" lon="19067999" rev="3108000"/>
+                </a:camera>
+                <a:lightRig rig="threePt" dir="t">
+                  <a:rot lat="0" lon="0" rev="0"/>
+                </a:lightRig>
+              </a:scene3d>
+              <a:sp3d extrusionH="38100" prstMaterial="clear">
+                <a:bevelT w="260350" h="50800" prst="softRound"/>
+                <a:bevelB prst="softRound"/>
+              </a:sp3d>
+            </p:spPr>
+            <p:style>
+              <a:lnRef idx="2">
+                <a:schemeClr val="dk1"/>
+              </a:lnRef>
+              <a:fillRef idx="1">
+                <a:schemeClr val="lt1"/>
+              </a:fillRef>
+              <a:effectRef idx="0">
+                <a:schemeClr val="dk1"/>
+              </a:effectRef>
+              <a:fontRef idx="minor">
+                <a:schemeClr val="dk1"/>
+              </a:fontRef>
+            </p:style>
+            <p:txBody>
+              <a:bodyPr rtlCol="0" anchor="ctr"/>
+              <a:lstStyle/>
+              <a:p>
+                <a:pPr algn="ctr"/>
+                <a:r>
+                  <a:rPr lang="en-US" dirty="0"/>
+                  <a:t>2013</a:t>
+                </a:r>
+              </a:p>
+            </p:txBody>
+          </p:sp>
+          <p:cxnSp>
+            <p:nvCxnSpPr>
+              <p:cNvPr id="12" name="Straight Connector 11">
+                <a:extLst>
+                  <a:ext uri="{FF2B5EF4-FFF2-40B4-BE49-F238E27FC236}">
+                    <a16:creationId xmlns:a16="http://schemas.microsoft.com/office/drawing/2014/main" id="{E6C4FFA1-A923-D151-DBD0-5CA45F9B6274}"/>
+                  </a:ext>
+                </a:extLst>
+              </p:cNvPr>
+              <p:cNvCxnSpPr/>
+              <p:nvPr/>
+            </p:nvCxnSpPr>
+            <p:spPr>
+              <a:xfrm flipV="1">
+                <a:off x="1881809" y="2431774"/>
+                <a:ext cx="0" cy="9939"/>
+              </a:xfrm>
+              <a:prstGeom prst="line">
+                <a:avLst/>
+              </a:prstGeom>
+            </p:spPr>
+            <p:style>
+              <a:lnRef idx="1">
+                <a:schemeClr val="accent1"/>
+              </a:lnRef>
+              <a:fillRef idx="0">
+                <a:schemeClr val="accent1"/>
+              </a:fillRef>
+              <a:effectRef idx="0">
+                <a:schemeClr val="accent1"/>
+              </a:effectRef>
+              <a:fontRef idx="minor">
+                <a:schemeClr val="tx1"/>
+              </a:fontRef>
+            </p:style>
+          </p:cxnSp>
+          <p:sp>
+            <p:nvSpPr>
+              <p:cNvPr id="6" name="Oval 5">
+                <a:extLst>
+                  <a:ext uri="{FF2B5EF4-FFF2-40B4-BE49-F238E27FC236}">
+                    <a16:creationId xmlns:a16="http://schemas.microsoft.com/office/drawing/2014/main" id="{390E498C-8927-C89A-D185-A8DC8236EF9B}"/>
+                  </a:ext>
+                </a:extLst>
+              </p:cNvPr>
+              <p:cNvSpPr/>
+              <p:nvPr/>
+            </p:nvSpPr>
+            <p:spPr>
+              <a:xfrm>
+                <a:off x="2199862" y="1868557"/>
+                <a:ext cx="1232452" cy="1146313"/>
+              </a:xfrm>
+              <a:prstGeom prst="ellipse">
+                <a:avLst/>
+              </a:prstGeom>
+              <a:ln w="34925">
+                <a:solidFill>
+                  <a:srgbClr val="FFFFFF"/>
+                </a:solidFill>
+              </a:ln>
+              <a:effectLst>
+                <a:outerShdw blurRad="317500" dir="2700000" algn="ctr">
+                  <a:srgbClr val="000000">
+                    <a:alpha val="43000"/>
+                  </a:srgbClr>
+                </a:outerShdw>
+              </a:effectLst>
+              <a:scene3d>
+                <a:camera prst="perspectiveFront" fov="2700000">
+                  <a:rot lat="19086000" lon="19067999" rev="3108000"/>
+                </a:camera>
+                <a:lightRig rig="threePt" dir="t">
+                  <a:rot lat="0" lon="0" rev="0"/>
+                </a:lightRig>
+              </a:scene3d>
+              <a:sp3d extrusionH="38100" prstMaterial="clear">
+                <a:bevelT w="260350" h="50800" prst="softRound"/>
+                <a:bevelB prst="softRound"/>
+              </a:sp3d>
+            </p:spPr>
+            <p:style>
+              <a:lnRef idx="2">
+                <a:schemeClr val="dk1"/>
+              </a:lnRef>
+              <a:fillRef idx="1">
+                <a:schemeClr val="lt1"/>
+              </a:fillRef>
+              <a:effectRef idx="0">
+                <a:schemeClr val="dk1"/>
+              </a:effectRef>
+              <a:fontRef idx="minor">
+                <a:schemeClr val="dk1"/>
+              </a:fontRef>
+            </p:style>
+            <p:txBody>
+              <a:bodyPr rtlCol="0" anchor="ctr"/>
+              <a:lstStyle/>
+              <a:p>
+                <a:pPr algn="ctr"/>
+                <a:r>
+                  <a:rPr lang="en-US" dirty="0"/>
+                  <a:t>2015</a:t>
+                </a:r>
+              </a:p>
+            </p:txBody>
+          </p:sp>
+          <p:cxnSp>
+            <p:nvCxnSpPr>
+              <p:cNvPr id="14" name="Straight Connector 13">
+                <a:extLst>
+                  <a:ext uri="{FF2B5EF4-FFF2-40B4-BE49-F238E27FC236}">
+                    <a16:creationId xmlns:a16="http://schemas.microsoft.com/office/drawing/2014/main" id="{ED21E03F-696F-A0E9-F8D5-BFF4279C961F}"/>
+                  </a:ext>
+                </a:extLst>
+              </p:cNvPr>
+              <p:cNvCxnSpPr>
+                <a:stCxn id="4" idx="6"/>
+                <a:endCxn id="6" idx="2"/>
+              </p:cNvCxnSpPr>
+              <p:nvPr/>
+            </p:nvCxnSpPr>
+            <p:spPr>
+              <a:xfrm>
+                <a:off x="1782418" y="2441714"/>
+                <a:ext cx="417444" cy="0"/>
+              </a:xfrm>
+              <a:prstGeom prst="line">
+                <a:avLst/>
+              </a:prstGeom>
+              <a:ln w="19050"/>
+              <a:effectLst>
+                <a:reflection blurRad="6350" stA="50000" endA="300" endPos="90000" dir="5400000" sy="-100000" algn="bl" rotWithShape="0"/>
+              </a:effectLst>
+            </p:spPr>
+            <p:style>
+              <a:lnRef idx="1">
+                <a:schemeClr val="dk1"/>
+              </a:lnRef>
+              <a:fillRef idx="0">
+                <a:schemeClr val="dk1"/>
+              </a:fillRef>
+              <a:effectRef idx="0">
+                <a:schemeClr val="dk1"/>
+              </a:effectRef>
+              <a:fontRef idx="minor">
+                <a:schemeClr val="tx1"/>
+              </a:fontRef>
+            </p:style>
+          </p:cxnSp>
+          <p:sp>
+            <p:nvSpPr>
+              <p:cNvPr id="18" name="Oval 17">
+                <a:extLst>
+                  <a:ext uri="{FF2B5EF4-FFF2-40B4-BE49-F238E27FC236}">
+                    <a16:creationId xmlns:a16="http://schemas.microsoft.com/office/drawing/2014/main" id="{16FD5582-2C47-663A-680C-26644F13FF06}"/>
+                  </a:ext>
+                </a:extLst>
+              </p:cNvPr>
+              <p:cNvSpPr/>
+              <p:nvPr/>
+            </p:nvSpPr>
+            <p:spPr>
+              <a:xfrm>
+                <a:off x="3849758" y="1868557"/>
+                <a:ext cx="1232452" cy="1146313"/>
+              </a:xfrm>
+              <a:prstGeom prst="ellipse">
+                <a:avLst/>
+              </a:prstGeom>
+              <a:ln w="34925">
+                <a:solidFill>
+                  <a:srgbClr val="FFFFFF"/>
+                </a:solidFill>
+              </a:ln>
+              <a:effectLst>
+                <a:outerShdw blurRad="317500" dir="2700000" algn="ctr">
+                  <a:srgbClr val="000000">
+                    <a:alpha val="43000"/>
+                  </a:srgbClr>
+                </a:outerShdw>
+              </a:effectLst>
+              <a:scene3d>
+                <a:camera prst="perspectiveFront" fov="2700000">
+                  <a:rot lat="19086000" lon="19067999" rev="3108000"/>
+                </a:camera>
+                <a:lightRig rig="threePt" dir="t">
+                  <a:rot lat="0" lon="0" rev="0"/>
+                </a:lightRig>
+              </a:scene3d>
+              <a:sp3d extrusionH="38100" prstMaterial="clear">
+                <a:bevelT w="260350" h="50800" prst="softRound"/>
+                <a:bevelB prst="softRound"/>
+              </a:sp3d>
+            </p:spPr>
+            <p:style>
+              <a:lnRef idx="2">
+                <a:schemeClr val="dk1"/>
+              </a:lnRef>
+              <a:fillRef idx="1">
+                <a:schemeClr val="lt1"/>
+              </a:fillRef>
+              <a:effectRef idx="0">
+                <a:schemeClr val="dk1"/>
+              </a:effectRef>
+              <a:fontRef idx="minor">
+                <a:schemeClr val="dk1"/>
+              </a:fontRef>
+            </p:style>
+            <p:txBody>
+              <a:bodyPr rtlCol="0" anchor="ctr"/>
+              <a:lstStyle/>
+              <a:p>
+                <a:pPr algn="ctr"/>
+                <a:r>
+                  <a:rPr lang="en-US" dirty="0"/>
+                  <a:t>2016</a:t>
+                </a:r>
+              </a:p>
+            </p:txBody>
+          </p:sp>
+          <p:cxnSp>
+            <p:nvCxnSpPr>
+              <p:cNvPr id="19" name="Straight Connector 18">
+                <a:extLst>
+                  <a:ext uri="{FF2B5EF4-FFF2-40B4-BE49-F238E27FC236}">
+                    <a16:creationId xmlns:a16="http://schemas.microsoft.com/office/drawing/2014/main" id="{BFAA73C2-534A-8965-164B-9412DC25A3A3}"/>
+                  </a:ext>
+                </a:extLst>
+              </p:cNvPr>
+              <p:cNvCxnSpPr>
+                <a:endCxn id="18" idx="2"/>
+              </p:cNvCxnSpPr>
+              <p:nvPr/>
+            </p:nvCxnSpPr>
+            <p:spPr>
+              <a:xfrm>
+                <a:off x="3432314" y="2441714"/>
+                <a:ext cx="417444" cy="0"/>
+              </a:xfrm>
+              <a:prstGeom prst="line">
+                <a:avLst/>
+              </a:prstGeom>
+              <a:ln w="19050"/>
+              <a:effectLst>
+                <a:reflection blurRad="6350" stA="50000" endA="300" endPos="90000" dir="5400000" sy="-100000" algn="bl" rotWithShape="0"/>
+              </a:effectLst>
+            </p:spPr>
+            <p:style>
+              <a:lnRef idx="1">
+                <a:schemeClr val="dk1"/>
+              </a:lnRef>
+              <a:fillRef idx="0">
+                <a:schemeClr val="dk1"/>
+              </a:fillRef>
+              <a:effectRef idx="0">
+                <a:schemeClr val="dk1"/>
+              </a:effectRef>
+              <a:fontRef idx="minor">
+                <a:schemeClr val="tx1"/>
+              </a:fontRef>
+            </p:style>
+          </p:cxnSp>
+          <p:sp>
+            <p:nvSpPr>
+              <p:cNvPr id="21" name="Oval 20">
+                <a:extLst>
+                  <a:ext uri="{FF2B5EF4-FFF2-40B4-BE49-F238E27FC236}">
+                    <a16:creationId xmlns:a16="http://schemas.microsoft.com/office/drawing/2014/main" id="{B63805DB-0F07-1191-7C1B-D7E1357D6883}"/>
+                  </a:ext>
+                </a:extLst>
+              </p:cNvPr>
+              <p:cNvSpPr/>
+              <p:nvPr/>
+            </p:nvSpPr>
+            <p:spPr>
+              <a:xfrm>
+                <a:off x="5499654" y="1868557"/>
+                <a:ext cx="1232452" cy="1146313"/>
+              </a:xfrm>
+              <a:prstGeom prst="ellipse">
+                <a:avLst/>
+              </a:prstGeom>
+              <a:ln w="34925">
+                <a:solidFill>
+                  <a:srgbClr val="FFFFFF"/>
+                </a:solidFill>
+              </a:ln>
+              <a:effectLst>
+                <a:outerShdw blurRad="317500" dir="2700000" algn="ctr">
+                  <a:srgbClr val="000000">
+                    <a:alpha val="43000"/>
+                  </a:srgbClr>
+                </a:outerShdw>
+              </a:effectLst>
+              <a:scene3d>
+                <a:camera prst="perspectiveFront" fov="2700000">
+                  <a:rot lat="19086000" lon="19067999" rev="3108000"/>
+                </a:camera>
+                <a:lightRig rig="threePt" dir="t">
+                  <a:rot lat="0" lon="0" rev="0"/>
+                </a:lightRig>
+              </a:scene3d>
+              <a:sp3d extrusionH="38100" prstMaterial="clear">
+                <a:bevelT w="260350" h="50800" prst="softRound"/>
+                <a:bevelB prst="softRound"/>
+              </a:sp3d>
+            </p:spPr>
+            <p:style>
+              <a:lnRef idx="2">
+                <a:schemeClr val="dk1"/>
+              </a:lnRef>
+              <a:fillRef idx="1">
+                <a:schemeClr val="lt1"/>
+              </a:fillRef>
+              <a:effectRef idx="0">
+                <a:schemeClr val="dk1"/>
+              </a:effectRef>
+              <a:fontRef idx="minor">
+                <a:schemeClr val="dk1"/>
+              </a:fontRef>
+            </p:style>
+            <p:txBody>
+              <a:bodyPr rtlCol="0" anchor="ctr"/>
+              <a:lstStyle/>
+              <a:p>
+                <a:pPr algn="ctr"/>
+                <a:r>
+                  <a:rPr lang="en-US" dirty="0"/>
+                  <a:t>2018</a:t>
+                </a:r>
+              </a:p>
+            </p:txBody>
+          </p:sp>
+          <p:cxnSp>
+            <p:nvCxnSpPr>
+              <p:cNvPr id="22" name="Straight Connector 21">
+                <a:extLst>
+                  <a:ext uri="{FF2B5EF4-FFF2-40B4-BE49-F238E27FC236}">
+                    <a16:creationId xmlns:a16="http://schemas.microsoft.com/office/drawing/2014/main" id="{5F05D195-603D-F538-334D-B438B194380B}"/>
+                  </a:ext>
+                </a:extLst>
+              </p:cNvPr>
+              <p:cNvCxnSpPr>
+                <a:endCxn id="21" idx="2"/>
+              </p:cNvCxnSpPr>
+              <p:nvPr/>
+            </p:nvCxnSpPr>
+            <p:spPr>
+              <a:xfrm>
+                <a:off x="5082210" y="2441714"/>
+                <a:ext cx="417444" cy="0"/>
+              </a:xfrm>
+              <a:prstGeom prst="line">
+                <a:avLst/>
+              </a:prstGeom>
+              <a:ln w="19050"/>
+              <a:effectLst>
+                <a:reflection blurRad="6350" stA="50000" endA="300" endPos="90000" dir="5400000" sy="-100000" algn="bl" rotWithShape="0"/>
+              </a:effectLst>
+            </p:spPr>
+            <p:style>
+              <a:lnRef idx="1">
+                <a:schemeClr val="dk1"/>
+              </a:lnRef>
+              <a:fillRef idx="0">
+                <a:schemeClr val="dk1"/>
+              </a:fillRef>
+              <a:effectRef idx="0">
+                <a:schemeClr val="dk1"/>
+              </a:effectRef>
+              <a:fontRef idx="minor">
+                <a:schemeClr val="tx1"/>
+              </a:fontRef>
+            </p:style>
+          </p:cxnSp>
+          <p:sp>
+            <p:nvSpPr>
+              <p:cNvPr id="24" name="Oval 23">
+                <a:extLst>
+                  <a:ext uri="{FF2B5EF4-FFF2-40B4-BE49-F238E27FC236}">
+                    <a16:creationId xmlns:a16="http://schemas.microsoft.com/office/drawing/2014/main" id="{39B0976A-ED53-AF8B-1444-B7925F286657}"/>
+                  </a:ext>
+                </a:extLst>
+              </p:cNvPr>
+              <p:cNvSpPr/>
+              <p:nvPr/>
+            </p:nvSpPr>
+            <p:spPr>
+              <a:xfrm>
+                <a:off x="7149550" y="1858617"/>
+                <a:ext cx="1232452" cy="1146313"/>
+              </a:xfrm>
+              <a:prstGeom prst="ellipse">
+                <a:avLst/>
+              </a:prstGeom>
+              <a:ln w="34925">
+                <a:solidFill>
+                  <a:srgbClr val="FFFFFF"/>
+                </a:solidFill>
+              </a:ln>
+              <a:effectLst>
+                <a:outerShdw blurRad="317500" dir="2700000" algn="ctr">
+                  <a:srgbClr val="000000">
+                    <a:alpha val="43000"/>
+                  </a:srgbClr>
+                </a:outerShdw>
+              </a:effectLst>
+              <a:scene3d>
+                <a:camera prst="perspectiveFront" fov="2700000">
+                  <a:rot lat="19086000" lon="19067999" rev="3108000"/>
+                </a:camera>
+                <a:lightRig rig="threePt" dir="t">
+                  <a:rot lat="0" lon="0" rev="0"/>
+                </a:lightRig>
+              </a:scene3d>
+              <a:sp3d extrusionH="38100" prstMaterial="clear">
+                <a:bevelT w="260350" h="50800" prst="softRound"/>
+                <a:bevelB prst="softRound"/>
+              </a:sp3d>
+            </p:spPr>
+            <p:style>
+              <a:lnRef idx="2">
+                <a:schemeClr val="dk1"/>
+              </a:lnRef>
+              <a:fillRef idx="1">
+                <a:schemeClr val="lt1"/>
+              </a:fillRef>
+              <a:effectRef idx="0">
+                <a:schemeClr val="dk1"/>
+              </a:effectRef>
+              <a:fontRef idx="minor">
+                <a:schemeClr val="dk1"/>
+              </a:fontRef>
+            </p:style>
+            <p:txBody>
+              <a:bodyPr rtlCol="0" anchor="ctr"/>
+              <a:lstStyle/>
+              <a:p>
+                <a:pPr algn="ctr"/>
+                <a:r>
+                  <a:rPr lang="en-US" dirty="0"/>
+                  <a:t>2018</a:t>
+                </a:r>
+              </a:p>
+            </p:txBody>
+          </p:sp>
+          <p:cxnSp>
+            <p:nvCxnSpPr>
+              <p:cNvPr id="25" name="Straight Connector 24">
+                <a:extLst>
+                  <a:ext uri="{FF2B5EF4-FFF2-40B4-BE49-F238E27FC236}">
+                    <a16:creationId xmlns:a16="http://schemas.microsoft.com/office/drawing/2014/main" id="{B64F0AC1-68F6-4AD1-470A-A1F1A3A1D82A}"/>
+                  </a:ext>
+                </a:extLst>
+              </p:cNvPr>
+              <p:cNvCxnSpPr>
+                <a:endCxn id="24" idx="2"/>
+              </p:cNvCxnSpPr>
+              <p:nvPr/>
+            </p:nvCxnSpPr>
+            <p:spPr>
+              <a:xfrm>
+                <a:off x="6732106" y="2431774"/>
+                <a:ext cx="417444" cy="0"/>
+              </a:xfrm>
+              <a:prstGeom prst="line">
+                <a:avLst/>
+              </a:prstGeom>
+              <a:ln w="19050"/>
+              <a:effectLst>
+                <a:reflection blurRad="6350" stA="50000" endA="300" endPos="90000" dir="5400000" sy="-100000" algn="bl" rotWithShape="0"/>
+              </a:effectLst>
+            </p:spPr>
+            <p:style>
+              <a:lnRef idx="1">
+                <a:schemeClr val="dk1"/>
+              </a:lnRef>
+              <a:fillRef idx="0">
+                <a:schemeClr val="dk1"/>
+              </a:fillRef>
+              <a:effectRef idx="0">
+                <a:schemeClr val="dk1"/>
+              </a:effectRef>
+              <a:fontRef idx="minor">
+                <a:schemeClr val="tx1"/>
+              </a:fontRef>
+            </p:style>
+          </p:cxnSp>
+          <p:sp>
+            <p:nvSpPr>
+              <p:cNvPr id="27" name="Oval 26">
+                <a:extLst>
+                  <a:ext uri="{FF2B5EF4-FFF2-40B4-BE49-F238E27FC236}">
+                    <a16:creationId xmlns:a16="http://schemas.microsoft.com/office/drawing/2014/main" id="{8164FA7F-EFA5-5B2F-4E5B-7303AF4FD67C}"/>
+                  </a:ext>
+                </a:extLst>
+              </p:cNvPr>
+              <p:cNvSpPr/>
+              <p:nvPr/>
+            </p:nvSpPr>
+            <p:spPr>
+              <a:xfrm>
+                <a:off x="8799446" y="1858616"/>
+                <a:ext cx="1232452" cy="1146313"/>
+              </a:xfrm>
+              <a:prstGeom prst="ellipse">
+                <a:avLst/>
+              </a:prstGeom>
+              <a:ln w="34925">
+                <a:solidFill>
+                  <a:srgbClr val="FFFFFF"/>
+                </a:solidFill>
+              </a:ln>
+              <a:effectLst>
+                <a:outerShdw blurRad="317500" dir="2700000" algn="ctr">
+                  <a:srgbClr val="000000">
+                    <a:alpha val="43000"/>
+                  </a:srgbClr>
+                </a:outerShdw>
+              </a:effectLst>
+              <a:scene3d>
+                <a:camera prst="perspectiveFront" fov="2700000">
+                  <a:rot lat="19086000" lon="19067999" rev="3108000"/>
+                </a:camera>
+                <a:lightRig rig="threePt" dir="t">
+                  <a:rot lat="0" lon="0" rev="0"/>
+                </a:lightRig>
+              </a:scene3d>
+              <a:sp3d extrusionH="38100" prstMaterial="clear">
+                <a:bevelT w="260350" h="50800" prst="softRound"/>
+                <a:bevelB prst="softRound"/>
+              </a:sp3d>
+            </p:spPr>
+            <p:style>
+              <a:lnRef idx="2">
+                <a:schemeClr val="dk1"/>
+              </a:lnRef>
+              <a:fillRef idx="1">
+                <a:schemeClr val="lt1"/>
+              </a:fillRef>
+              <a:effectRef idx="0">
+                <a:schemeClr val="dk1"/>
+              </a:effectRef>
+              <a:fontRef idx="minor">
+                <a:schemeClr val="dk1"/>
+              </a:fontRef>
+            </p:style>
+            <p:txBody>
+              <a:bodyPr rtlCol="0" anchor="ctr"/>
+              <a:lstStyle/>
+              <a:p>
+                <a:pPr algn="ctr"/>
+                <a:r>
+                  <a:rPr lang="en-US" dirty="0"/>
+                  <a:t>2019</a:t>
+                </a:r>
+              </a:p>
+            </p:txBody>
+          </p:sp>
+          <p:cxnSp>
+            <p:nvCxnSpPr>
+              <p:cNvPr id="28" name="Straight Connector 27">
+                <a:extLst>
+                  <a:ext uri="{FF2B5EF4-FFF2-40B4-BE49-F238E27FC236}">
+                    <a16:creationId xmlns:a16="http://schemas.microsoft.com/office/drawing/2014/main" id="{10CDB5D3-6037-D7CF-33EB-CB313A20990B}"/>
+                  </a:ext>
+                </a:extLst>
+              </p:cNvPr>
+              <p:cNvCxnSpPr>
+                <a:endCxn id="27" idx="2"/>
+              </p:cNvCxnSpPr>
+              <p:nvPr/>
+            </p:nvCxnSpPr>
+            <p:spPr>
+              <a:xfrm>
+                <a:off x="8382002" y="2431773"/>
+                <a:ext cx="417444" cy="0"/>
+              </a:xfrm>
+              <a:prstGeom prst="line">
+                <a:avLst/>
+              </a:prstGeom>
+              <a:ln w="19050"/>
+              <a:effectLst>
+                <a:reflection blurRad="6350" stA="50000" endA="300" endPos="90000" dir="5400000" sy="-100000" algn="bl" rotWithShape="0"/>
+              </a:effectLst>
+            </p:spPr>
+            <p:style>
+              <a:lnRef idx="1">
+                <a:schemeClr val="dk1"/>
+              </a:lnRef>
+              <a:fillRef idx="0">
+                <a:schemeClr val="dk1"/>
+              </a:fillRef>
+              <a:effectRef idx="0">
+                <a:schemeClr val="dk1"/>
+              </a:effectRef>
+              <a:fontRef idx="minor">
+                <a:schemeClr val="tx1"/>
+              </a:fontRef>
+            </p:style>
+          </p:cxnSp>
+          <p:sp>
+            <p:nvSpPr>
+              <p:cNvPr id="30" name="TextBox 29">
+                <a:extLst>
+                  <a:ext uri="{FF2B5EF4-FFF2-40B4-BE49-F238E27FC236}">
+                    <a16:creationId xmlns:a16="http://schemas.microsoft.com/office/drawing/2014/main" id="{E07B0EE8-4EF9-8D05-9CE2-096B5CFD4167}"/>
+                  </a:ext>
+                </a:extLst>
+              </p:cNvPr>
+              <p:cNvSpPr txBox="1"/>
+              <p:nvPr/>
+            </p:nvSpPr>
+            <p:spPr>
+              <a:xfrm>
+                <a:off x="850240" y="3337034"/>
+                <a:ext cx="641522" cy="369332"/>
+              </a:xfrm>
+              <a:prstGeom prst="rect">
+                <a:avLst/>
+              </a:prstGeom>
+              <a:noFill/>
+            </p:spPr>
+            <p:txBody>
+              <a:bodyPr wrap="none" rtlCol="0">
+                <a:spAutoFit/>
+              </a:bodyPr>
+              <a:lstStyle/>
+              <a:p>
+                <a:r>
+                  <a:rPr lang="en-US" b="1" dirty="0"/>
+                  <a:t>DQN</a:t>
+                </a:r>
+              </a:p>
+            </p:txBody>
+          </p:sp>
+          <p:sp>
+            <p:nvSpPr>
+              <p:cNvPr id="34" name="TextBox 33">
+                <a:extLst>
+                  <a:ext uri="{FF2B5EF4-FFF2-40B4-BE49-F238E27FC236}">
+                    <a16:creationId xmlns:a16="http://schemas.microsoft.com/office/drawing/2014/main" id="{B39F71A4-6FC7-F566-BFE5-88AFC4FABCCF}"/>
+                  </a:ext>
+                </a:extLst>
+              </p:cNvPr>
+              <p:cNvSpPr txBox="1"/>
+              <p:nvPr/>
+            </p:nvSpPr>
+            <p:spPr>
+              <a:xfrm>
+                <a:off x="2367888" y="3337034"/>
+                <a:ext cx="915635" cy="369332"/>
+              </a:xfrm>
+              <a:prstGeom prst="rect">
+                <a:avLst/>
+              </a:prstGeom>
+              <a:noFill/>
+            </p:spPr>
+            <p:txBody>
+              <a:bodyPr wrap="none" rtlCol="0">
+                <a:spAutoFit/>
+              </a:bodyPr>
+              <a:lstStyle/>
+              <a:p>
+                <a:r>
+                  <a:rPr lang="en-US" b="1" dirty="0"/>
+                  <a:t>GORILA</a:t>
+                </a:r>
+              </a:p>
+            </p:txBody>
+          </p:sp>
+          <p:sp>
+            <p:nvSpPr>
+              <p:cNvPr id="35" name="TextBox 34">
+                <a:extLst>
+                  <a:ext uri="{FF2B5EF4-FFF2-40B4-BE49-F238E27FC236}">
+                    <a16:creationId xmlns:a16="http://schemas.microsoft.com/office/drawing/2014/main" id="{ECFED3C2-A4DC-F437-D049-9D1A41F1A132}"/>
+                  </a:ext>
+                </a:extLst>
+              </p:cNvPr>
+              <p:cNvSpPr txBox="1"/>
+              <p:nvPr/>
+            </p:nvSpPr>
+            <p:spPr>
+              <a:xfrm>
+                <a:off x="4186901" y="3331778"/>
+                <a:ext cx="558166" cy="369332"/>
+              </a:xfrm>
+              <a:prstGeom prst="rect">
+                <a:avLst/>
+              </a:prstGeom>
+              <a:noFill/>
+            </p:spPr>
+            <p:txBody>
+              <a:bodyPr wrap="none" rtlCol="0">
+                <a:spAutoFit/>
+              </a:bodyPr>
+              <a:lstStyle/>
+              <a:p>
+                <a:r>
+                  <a:rPr lang="en-US" b="1" dirty="0"/>
+                  <a:t>A3C</a:t>
+                </a:r>
+              </a:p>
+            </p:txBody>
+          </p:sp>
+          <p:sp>
+            <p:nvSpPr>
+              <p:cNvPr id="37" name="TextBox 36">
+                <a:extLst>
+                  <a:ext uri="{FF2B5EF4-FFF2-40B4-BE49-F238E27FC236}">
+                    <a16:creationId xmlns:a16="http://schemas.microsoft.com/office/drawing/2014/main" id="{860B1DB5-FD30-9F42-63E2-C0C6A4B5EBEF}"/>
+                  </a:ext>
+                </a:extLst>
+              </p:cNvPr>
+              <p:cNvSpPr txBox="1"/>
+              <p:nvPr/>
+            </p:nvSpPr>
+            <p:spPr>
+              <a:xfrm>
+                <a:off x="5778287" y="3331778"/>
+                <a:ext cx="689612" cy="369332"/>
+              </a:xfrm>
+              <a:prstGeom prst="rect">
+                <a:avLst/>
+              </a:prstGeom>
+              <a:noFill/>
+            </p:spPr>
+            <p:txBody>
+              <a:bodyPr wrap="none" rtlCol="0">
+                <a:spAutoFit/>
+              </a:bodyPr>
+              <a:lstStyle/>
+              <a:p>
+                <a:r>
+                  <a:rPr lang="en-US" b="1" dirty="0"/>
+                  <a:t>ApeX</a:t>
+                </a:r>
+              </a:p>
+            </p:txBody>
+          </p:sp>
+          <p:sp>
+            <p:nvSpPr>
+              <p:cNvPr id="39" name="TextBox 38">
+                <a:extLst>
+                  <a:ext uri="{FF2B5EF4-FFF2-40B4-BE49-F238E27FC236}">
+                    <a16:creationId xmlns:a16="http://schemas.microsoft.com/office/drawing/2014/main" id="{F773E71D-C2AE-7216-63A1-6034A51AC141}"/>
+                  </a:ext>
+                </a:extLst>
+              </p:cNvPr>
+              <p:cNvSpPr txBox="1"/>
+              <p:nvPr/>
+            </p:nvSpPr>
+            <p:spPr>
+              <a:xfrm>
+                <a:off x="7313248" y="3331778"/>
+                <a:ext cx="932050" cy="369332"/>
+              </a:xfrm>
+              <a:prstGeom prst="rect">
+                <a:avLst/>
+              </a:prstGeom>
+              <a:noFill/>
+            </p:spPr>
+            <p:txBody>
+              <a:bodyPr wrap="none" rtlCol="0">
+                <a:spAutoFit/>
+              </a:bodyPr>
+              <a:lstStyle/>
+              <a:p>
+                <a:r>
+                  <a:rPr lang="en-US" b="1" dirty="0"/>
+                  <a:t>IMPALA</a:t>
+                </a:r>
+              </a:p>
+            </p:txBody>
+          </p:sp>
+          <p:sp>
+            <p:nvSpPr>
+              <p:cNvPr id="41" name="TextBox 40">
+                <a:extLst>
+                  <a:ext uri="{FF2B5EF4-FFF2-40B4-BE49-F238E27FC236}">
+                    <a16:creationId xmlns:a16="http://schemas.microsoft.com/office/drawing/2014/main" id="{4DF2ADB8-60CF-50E3-3E37-032A833C95B5}"/>
+                  </a:ext>
+                </a:extLst>
+              </p:cNvPr>
+              <p:cNvSpPr txBox="1"/>
+              <p:nvPr/>
+            </p:nvSpPr>
+            <p:spPr>
+              <a:xfrm>
+                <a:off x="8960312" y="3331778"/>
+                <a:ext cx="891591" cy="369332"/>
+              </a:xfrm>
+              <a:prstGeom prst="rect">
+                <a:avLst/>
+              </a:prstGeom>
+              <a:noFill/>
+            </p:spPr>
+            <p:txBody>
+              <a:bodyPr wrap="none" rtlCol="0">
+                <a:spAutoFit/>
+              </a:bodyPr>
+              <a:lstStyle/>
+              <a:p>
+                <a:r>
+                  <a:rPr lang="en-US" b="1" dirty="0"/>
+                  <a:t>SEEDRL</a:t>
+                </a:r>
+              </a:p>
+            </p:txBody>
+          </p:sp>
+        </p:grpSp>
+        <p:cxnSp>
+          <p:nvCxnSpPr>
+            <p:cNvPr id="44" name="Straight Connector 43">
               <a:extLst>
                 <a:ext uri="{FF2B5EF4-FFF2-40B4-BE49-F238E27FC236}">
-                  <a16:creationId xmlns:a16="http://schemas.microsoft.com/office/drawing/2014/main" id="{390E498C-8927-C89A-D185-A8DC8236EF9B}"/>
-                </a:ext>
-              </a:extLst>
-            </p:cNvPr>
-            <p:cNvSpPr/>
-            <p:nvPr/>
-          </p:nvSpPr>
-          <p:spPr>
-            <a:xfrm>
-              <a:off x="2199862" y="1868557"/>
-              <a:ext cx="1232452" cy="1146313"/>
-            </a:xfrm>
-            <a:prstGeom prst="ellipse">
-              <a:avLst/>
-            </a:prstGeom>
-            <a:ln w="34925">
-              <a:solidFill>
-                <a:srgbClr val="FFFFFF"/>
-              </a:solidFill>
-            </a:ln>
-            <a:effectLst>
-              <a:outerShdw blurRad="317500" dir="2700000" algn="ctr">
-                <a:srgbClr val="000000">
-                  <a:alpha val="43000"/>
-                </a:srgbClr>
-              </a:outerShdw>
-            </a:effectLst>
-            <a:scene3d>
-              <a:camera prst="perspectiveFront" fov="2700000">
-                <a:rot lat="19086000" lon="19067999" rev="3108000"/>
-              </a:camera>
-              <a:lightRig rig="threePt" dir="t">
-                <a:rot lat="0" lon="0" rev="0"/>
-              </a:lightRig>
-            </a:scene3d>
-            <a:sp3d extrusionH="38100" prstMaterial="clear">
-              <a:bevelT w="260350" h="50800" prst="softRound"/>
-              <a:bevelB prst="softRound"/>
-            </a:sp3d>
-          </p:spPr>
-          <p:style>
-            <a:lnRef idx="2">
-              <a:schemeClr val="dk1"/>
-            </a:lnRef>
-            <a:fillRef idx="1">
-              <a:schemeClr val="lt1"/>
-            </a:fillRef>
-            <a:effectRef idx="0">
-              <a:schemeClr val="dk1"/>
-            </a:effectRef>
-            <a:fontRef idx="minor">
-              <a:schemeClr val="dk1"/>
-            </a:fontRef>
-          </p:style>
-          <p:txBody>
-            <a:bodyPr rtlCol="0" anchor="ctr"/>
-            <a:lstStyle/>
-            <a:p>
-              <a:pPr algn="ctr"/>
-              <a:r>
-                <a:rPr lang="en-US" dirty="0"/>
-                <a:t>2015</a:t>
-              </a:r>
-            </a:p>
-          </p:txBody>
-        </p:sp>
-        <p:cxnSp>
-          <p:nvCxnSpPr>
-            <p:cNvPr id="14" name="Straight Connector 13">
-              <a:extLst>
-                <a:ext uri="{FF2B5EF4-FFF2-40B4-BE49-F238E27FC236}">
-                  <a16:creationId xmlns:a16="http://schemas.microsoft.com/office/drawing/2014/main" id="{ED21E03F-696F-A0E9-F8D5-BFF4279C961F}"/>
+                  <a16:creationId xmlns:a16="http://schemas.microsoft.com/office/drawing/2014/main" id="{3E8BC492-A88F-CF62-32F9-8C5EAD3EA8C7}"/>
                 </a:ext>
               </a:extLst>
             </p:cNvPr>
             <p:cNvCxnSpPr>
-              <a:stCxn id="4" idx="6"/>
-              <a:endCxn id="6" idx="2"/>
+              <a:cxnSpLocks/>
             </p:cNvCxnSpPr>
             <p:nvPr/>
           </p:nvCxnSpPr>
           <p:spPr>
             <a:xfrm>
-              <a:off x="1782418" y="2441714"/>
+              <a:off x="10031898" y="2441713"/>
               <a:ext cx="417444" cy="0"/>
             </a:xfrm>
             <a:prstGeom prst="line">
@@ -3596,10 +4321,10 @@
         </p:cxnSp>
         <p:sp>
           <p:nvSpPr>
-            <p:cNvPr id="18" name="Oval 17">
+            <p:cNvPr id="46" name="Thought Bubble: Cloud 45">
               <a:extLst>
                 <a:ext uri="{FF2B5EF4-FFF2-40B4-BE49-F238E27FC236}">
-                  <a16:creationId xmlns:a16="http://schemas.microsoft.com/office/drawing/2014/main" id="{16FD5582-2C47-663A-680C-26644F13FF06}"/>
+                  <a16:creationId xmlns:a16="http://schemas.microsoft.com/office/drawing/2014/main" id="{C55DB1E1-AEF9-020F-4DFF-F653F0C96DFC}"/>
                 </a:ext>
               </a:extLst>
             </p:cNvPr>
@@ -3608,36 +4333,12 @@
           </p:nvSpPr>
           <p:spPr>
             <a:xfrm>
-              <a:off x="3849758" y="1868557"/>
-              <a:ext cx="1232452" cy="1146313"/>
+              <a:off x="10652090" y="1890089"/>
+              <a:ext cx="1424609" cy="1083365"/>
             </a:xfrm>
-            <a:prstGeom prst="ellipse">
+            <a:prstGeom prst="cloudCallout">
               <a:avLst/>
             </a:prstGeom>
-            <a:ln w="34925">
-              <a:solidFill>
-                <a:srgbClr val="FFFFFF"/>
-              </a:solidFill>
-            </a:ln>
-            <a:effectLst>
-              <a:outerShdw blurRad="317500" dir="2700000" algn="ctr">
-                <a:srgbClr val="000000">
-                  <a:alpha val="43000"/>
-                </a:srgbClr>
-              </a:outerShdw>
-            </a:effectLst>
-            <a:scene3d>
-              <a:camera prst="perspectiveFront" fov="2700000">
-                <a:rot lat="19086000" lon="19067999" rev="3108000"/>
-              </a:camera>
-              <a:lightRig rig="threePt" dir="t">
-                <a:rot lat="0" lon="0" rev="0"/>
-              </a:lightRig>
-            </a:scene3d>
-            <a:sp3d extrusionH="38100" prstMaterial="clear">
-              <a:bevelT w="260350" h="50800" prst="softRound"/>
-              <a:bevelB prst="softRound"/>
-            </a:sp3d>
           </p:spPr>
           <p:style>
             <a:lnRef idx="2">
@@ -3658,400 +4359,16 @@
             <a:lstStyle/>
             <a:p>
               <a:pPr algn="ctr"/>
-              <a:r>
-                <a:rPr lang="en-US" dirty="0"/>
-                <a:t>2016</a:t>
-              </a:r>
+              <a:endParaRPr lang="en-US"/>
             </a:p>
           </p:txBody>
         </p:sp>
-        <p:cxnSp>
-          <p:nvCxnSpPr>
-            <p:cNvPr id="19" name="Straight Connector 18">
+        <p:sp>
+          <p:nvSpPr>
+            <p:cNvPr id="45" name="TextBox 44">
               <a:extLst>
                 <a:ext uri="{FF2B5EF4-FFF2-40B4-BE49-F238E27FC236}">
-                  <a16:creationId xmlns:a16="http://schemas.microsoft.com/office/drawing/2014/main" id="{BFAA73C2-534A-8965-164B-9412DC25A3A3}"/>
-                </a:ext>
-              </a:extLst>
-            </p:cNvPr>
-            <p:cNvCxnSpPr>
-              <a:endCxn id="18" idx="2"/>
-            </p:cNvCxnSpPr>
-            <p:nvPr/>
-          </p:nvCxnSpPr>
-          <p:spPr>
-            <a:xfrm>
-              <a:off x="3432314" y="2441714"/>
-              <a:ext cx="417444" cy="0"/>
-            </a:xfrm>
-            <a:prstGeom prst="line">
-              <a:avLst/>
-            </a:prstGeom>
-            <a:ln w="19050"/>
-            <a:effectLst>
-              <a:reflection blurRad="6350" stA="50000" endA="300" endPos="90000" dir="5400000" sy="-100000" algn="bl" rotWithShape="0"/>
-            </a:effectLst>
-          </p:spPr>
-          <p:style>
-            <a:lnRef idx="1">
-              <a:schemeClr val="dk1"/>
-            </a:lnRef>
-            <a:fillRef idx="0">
-              <a:schemeClr val="dk1"/>
-            </a:fillRef>
-            <a:effectRef idx="0">
-              <a:schemeClr val="dk1"/>
-            </a:effectRef>
-            <a:fontRef idx="minor">
-              <a:schemeClr val="tx1"/>
-            </a:fontRef>
-          </p:style>
-        </p:cxnSp>
-        <p:sp>
-          <p:nvSpPr>
-            <p:cNvPr id="21" name="Oval 20">
-              <a:extLst>
-                <a:ext uri="{FF2B5EF4-FFF2-40B4-BE49-F238E27FC236}">
-                  <a16:creationId xmlns:a16="http://schemas.microsoft.com/office/drawing/2014/main" id="{B63805DB-0F07-1191-7C1B-D7E1357D6883}"/>
-                </a:ext>
-              </a:extLst>
-            </p:cNvPr>
-            <p:cNvSpPr/>
-            <p:nvPr/>
-          </p:nvSpPr>
-          <p:spPr>
-            <a:xfrm>
-              <a:off x="5499654" y="1868557"/>
-              <a:ext cx="1232452" cy="1146313"/>
-            </a:xfrm>
-            <a:prstGeom prst="ellipse">
-              <a:avLst/>
-            </a:prstGeom>
-            <a:ln w="34925">
-              <a:solidFill>
-                <a:srgbClr val="FFFFFF"/>
-              </a:solidFill>
-            </a:ln>
-            <a:effectLst>
-              <a:outerShdw blurRad="317500" dir="2700000" algn="ctr">
-                <a:srgbClr val="000000">
-                  <a:alpha val="43000"/>
-                </a:srgbClr>
-              </a:outerShdw>
-            </a:effectLst>
-            <a:scene3d>
-              <a:camera prst="perspectiveFront" fov="2700000">
-                <a:rot lat="19086000" lon="19067999" rev="3108000"/>
-              </a:camera>
-              <a:lightRig rig="threePt" dir="t">
-                <a:rot lat="0" lon="0" rev="0"/>
-              </a:lightRig>
-            </a:scene3d>
-            <a:sp3d extrusionH="38100" prstMaterial="clear">
-              <a:bevelT w="260350" h="50800" prst="softRound"/>
-              <a:bevelB prst="softRound"/>
-            </a:sp3d>
-          </p:spPr>
-          <p:style>
-            <a:lnRef idx="2">
-              <a:schemeClr val="dk1"/>
-            </a:lnRef>
-            <a:fillRef idx="1">
-              <a:schemeClr val="lt1"/>
-            </a:fillRef>
-            <a:effectRef idx="0">
-              <a:schemeClr val="dk1"/>
-            </a:effectRef>
-            <a:fontRef idx="minor">
-              <a:schemeClr val="dk1"/>
-            </a:fontRef>
-          </p:style>
-          <p:txBody>
-            <a:bodyPr rtlCol="0" anchor="ctr"/>
-            <a:lstStyle/>
-            <a:p>
-              <a:pPr algn="ctr"/>
-              <a:r>
-                <a:rPr lang="en-US" dirty="0"/>
-                <a:t>2018</a:t>
-              </a:r>
-            </a:p>
-          </p:txBody>
-        </p:sp>
-        <p:cxnSp>
-          <p:nvCxnSpPr>
-            <p:cNvPr id="22" name="Straight Connector 21">
-              <a:extLst>
-                <a:ext uri="{FF2B5EF4-FFF2-40B4-BE49-F238E27FC236}">
-                  <a16:creationId xmlns:a16="http://schemas.microsoft.com/office/drawing/2014/main" id="{5F05D195-603D-F538-334D-B438B194380B}"/>
-                </a:ext>
-              </a:extLst>
-            </p:cNvPr>
-            <p:cNvCxnSpPr>
-              <a:endCxn id="21" idx="2"/>
-            </p:cNvCxnSpPr>
-            <p:nvPr/>
-          </p:nvCxnSpPr>
-          <p:spPr>
-            <a:xfrm>
-              <a:off x="5082210" y="2441714"/>
-              <a:ext cx="417444" cy="0"/>
-            </a:xfrm>
-            <a:prstGeom prst="line">
-              <a:avLst/>
-            </a:prstGeom>
-            <a:ln w="19050"/>
-            <a:effectLst>
-              <a:reflection blurRad="6350" stA="50000" endA="300" endPos="90000" dir="5400000" sy="-100000" algn="bl" rotWithShape="0"/>
-            </a:effectLst>
-          </p:spPr>
-          <p:style>
-            <a:lnRef idx="1">
-              <a:schemeClr val="dk1"/>
-            </a:lnRef>
-            <a:fillRef idx="0">
-              <a:schemeClr val="dk1"/>
-            </a:fillRef>
-            <a:effectRef idx="0">
-              <a:schemeClr val="dk1"/>
-            </a:effectRef>
-            <a:fontRef idx="minor">
-              <a:schemeClr val="tx1"/>
-            </a:fontRef>
-          </p:style>
-        </p:cxnSp>
-        <p:sp>
-          <p:nvSpPr>
-            <p:cNvPr id="24" name="Oval 23">
-              <a:extLst>
-                <a:ext uri="{FF2B5EF4-FFF2-40B4-BE49-F238E27FC236}">
-                  <a16:creationId xmlns:a16="http://schemas.microsoft.com/office/drawing/2014/main" id="{39B0976A-ED53-AF8B-1444-B7925F286657}"/>
-                </a:ext>
-              </a:extLst>
-            </p:cNvPr>
-            <p:cNvSpPr/>
-            <p:nvPr/>
-          </p:nvSpPr>
-          <p:spPr>
-            <a:xfrm>
-              <a:off x="7149550" y="1858617"/>
-              <a:ext cx="1232452" cy="1146313"/>
-            </a:xfrm>
-            <a:prstGeom prst="ellipse">
-              <a:avLst/>
-            </a:prstGeom>
-            <a:ln w="34925">
-              <a:solidFill>
-                <a:srgbClr val="FFFFFF"/>
-              </a:solidFill>
-            </a:ln>
-            <a:effectLst>
-              <a:outerShdw blurRad="317500" dir="2700000" algn="ctr">
-                <a:srgbClr val="000000">
-                  <a:alpha val="43000"/>
-                </a:srgbClr>
-              </a:outerShdw>
-            </a:effectLst>
-            <a:scene3d>
-              <a:camera prst="perspectiveFront" fov="2700000">
-                <a:rot lat="19086000" lon="19067999" rev="3108000"/>
-              </a:camera>
-              <a:lightRig rig="threePt" dir="t">
-                <a:rot lat="0" lon="0" rev="0"/>
-              </a:lightRig>
-            </a:scene3d>
-            <a:sp3d extrusionH="38100" prstMaterial="clear">
-              <a:bevelT w="260350" h="50800" prst="softRound"/>
-              <a:bevelB prst="softRound"/>
-            </a:sp3d>
-          </p:spPr>
-          <p:style>
-            <a:lnRef idx="2">
-              <a:schemeClr val="dk1"/>
-            </a:lnRef>
-            <a:fillRef idx="1">
-              <a:schemeClr val="lt1"/>
-            </a:fillRef>
-            <a:effectRef idx="0">
-              <a:schemeClr val="dk1"/>
-            </a:effectRef>
-            <a:fontRef idx="minor">
-              <a:schemeClr val="dk1"/>
-            </a:fontRef>
-          </p:style>
-          <p:txBody>
-            <a:bodyPr rtlCol="0" anchor="ctr"/>
-            <a:lstStyle/>
-            <a:p>
-              <a:pPr algn="ctr"/>
-              <a:r>
-                <a:rPr lang="en-US" dirty="0"/>
-                <a:t>2018</a:t>
-              </a:r>
-            </a:p>
-          </p:txBody>
-        </p:sp>
-        <p:cxnSp>
-          <p:nvCxnSpPr>
-            <p:cNvPr id="25" name="Straight Connector 24">
-              <a:extLst>
-                <a:ext uri="{FF2B5EF4-FFF2-40B4-BE49-F238E27FC236}">
-                  <a16:creationId xmlns:a16="http://schemas.microsoft.com/office/drawing/2014/main" id="{B64F0AC1-68F6-4AD1-470A-A1F1A3A1D82A}"/>
-                </a:ext>
-              </a:extLst>
-            </p:cNvPr>
-            <p:cNvCxnSpPr>
-              <a:endCxn id="24" idx="2"/>
-            </p:cNvCxnSpPr>
-            <p:nvPr/>
-          </p:nvCxnSpPr>
-          <p:spPr>
-            <a:xfrm>
-              <a:off x="6732106" y="2431774"/>
-              <a:ext cx="417444" cy="0"/>
-            </a:xfrm>
-            <a:prstGeom prst="line">
-              <a:avLst/>
-            </a:prstGeom>
-            <a:ln w="19050"/>
-            <a:effectLst>
-              <a:reflection blurRad="6350" stA="50000" endA="300" endPos="90000" dir="5400000" sy="-100000" algn="bl" rotWithShape="0"/>
-            </a:effectLst>
-          </p:spPr>
-          <p:style>
-            <a:lnRef idx="1">
-              <a:schemeClr val="dk1"/>
-            </a:lnRef>
-            <a:fillRef idx="0">
-              <a:schemeClr val="dk1"/>
-            </a:fillRef>
-            <a:effectRef idx="0">
-              <a:schemeClr val="dk1"/>
-            </a:effectRef>
-            <a:fontRef idx="minor">
-              <a:schemeClr val="tx1"/>
-            </a:fontRef>
-          </p:style>
-        </p:cxnSp>
-        <p:sp>
-          <p:nvSpPr>
-            <p:cNvPr id="27" name="Oval 26">
-              <a:extLst>
-                <a:ext uri="{FF2B5EF4-FFF2-40B4-BE49-F238E27FC236}">
-                  <a16:creationId xmlns:a16="http://schemas.microsoft.com/office/drawing/2014/main" id="{8164FA7F-EFA5-5B2F-4E5B-7303AF4FD67C}"/>
-                </a:ext>
-              </a:extLst>
-            </p:cNvPr>
-            <p:cNvSpPr/>
-            <p:nvPr/>
-          </p:nvSpPr>
-          <p:spPr>
-            <a:xfrm>
-              <a:off x="8799446" y="1858616"/>
-              <a:ext cx="1232452" cy="1146313"/>
-            </a:xfrm>
-            <a:prstGeom prst="ellipse">
-              <a:avLst/>
-            </a:prstGeom>
-            <a:ln w="34925">
-              <a:solidFill>
-                <a:srgbClr val="FFFFFF"/>
-              </a:solidFill>
-            </a:ln>
-            <a:effectLst>
-              <a:outerShdw blurRad="317500" dir="2700000" algn="ctr">
-                <a:srgbClr val="000000">
-                  <a:alpha val="43000"/>
-                </a:srgbClr>
-              </a:outerShdw>
-            </a:effectLst>
-            <a:scene3d>
-              <a:camera prst="perspectiveFront" fov="2700000">
-                <a:rot lat="19086000" lon="19067999" rev="3108000"/>
-              </a:camera>
-              <a:lightRig rig="threePt" dir="t">
-                <a:rot lat="0" lon="0" rev="0"/>
-              </a:lightRig>
-            </a:scene3d>
-            <a:sp3d extrusionH="38100" prstMaterial="clear">
-              <a:bevelT w="260350" h="50800" prst="softRound"/>
-              <a:bevelB prst="softRound"/>
-            </a:sp3d>
-          </p:spPr>
-          <p:style>
-            <a:lnRef idx="2">
-              <a:schemeClr val="dk1"/>
-            </a:lnRef>
-            <a:fillRef idx="1">
-              <a:schemeClr val="lt1"/>
-            </a:fillRef>
-            <a:effectRef idx="0">
-              <a:schemeClr val="dk1"/>
-            </a:effectRef>
-            <a:fontRef idx="minor">
-              <a:schemeClr val="dk1"/>
-            </a:fontRef>
-          </p:style>
-          <p:txBody>
-            <a:bodyPr rtlCol="0" anchor="ctr"/>
-            <a:lstStyle/>
-            <a:p>
-              <a:pPr algn="ctr"/>
-              <a:r>
-                <a:rPr lang="en-US" dirty="0"/>
-                <a:t>2019</a:t>
-              </a:r>
-            </a:p>
-          </p:txBody>
-        </p:sp>
-        <p:cxnSp>
-          <p:nvCxnSpPr>
-            <p:cNvPr id="28" name="Straight Connector 27">
-              <a:extLst>
-                <a:ext uri="{FF2B5EF4-FFF2-40B4-BE49-F238E27FC236}">
-                  <a16:creationId xmlns:a16="http://schemas.microsoft.com/office/drawing/2014/main" id="{10CDB5D3-6037-D7CF-33EB-CB313A20990B}"/>
-                </a:ext>
-              </a:extLst>
-            </p:cNvPr>
-            <p:cNvCxnSpPr>
-              <a:endCxn id="27" idx="2"/>
-            </p:cNvCxnSpPr>
-            <p:nvPr/>
-          </p:nvCxnSpPr>
-          <p:spPr>
-            <a:xfrm>
-              <a:off x="8382002" y="2431773"/>
-              <a:ext cx="417444" cy="0"/>
-            </a:xfrm>
-            <a:prstGeom prst="line">
-              <a:avLst/>
-            </a:prstGeom>
-            <a:ln w="19050"/>
-            <a:effectLst>
-              <a:reflection blurRad="6350" stA="50000" endA="300" endPos="90000" dir="5400000" sy="-100000" algn="bl" rotWithShape="0"/>
-            </a:effectLst>
-          </p:spPr>
-          <p:style>
-            <a:lnRef idx="1">
-              <a:schemeClr val="dk1"/>
-            </a:lnRef>
-            <a:fillRef idx="0">
-              <a:schemeClr val="dk1"/>
-            </a:fillRef>
-            <a:effectRef idx="0">
-              <a:schemeClr val="dk1"/>
-            </a:effectRef>
-            <a:fontRef idx="minor">
-              <a:schemeClr val="tx1"/>
-            </a:fontRef>
-          </p:style>
-        </p:cxnSp>
-        <p:sp>
-          <p:nvSpPr>
-            <p:cNvPr id="30" name="TextBox 29">
-              <a:extLst>
-                <a:ext uri="{FF2B5EF4-FFF2-40B4-BE49-F238E27FC236}">
-                  <a16:creationId xmlns:a16="http://schemas.microsoft.com/office/drawing/2014/main" id="{E07B0EE8-4EF9-8D05-9CE2-096B5CFD4167}"/>
+                  <a16:creationId xmlns:a16="http://schemas.microsoft.com/office/drawing/2014/main" id="{1ECB5E85-DF6D-926D-88BE-5660889047EB}"/>
                 </a:ext>
               </a:extLst>
             </p:cNvPr>
@@ -4060,8 +4377,8 @@
           </p:nvSpPr>
           <p:spPr>
             <a:xfrm>
-              <a:off x="850240" y="3337034"/>
-              <a:ext cx="641522" cy="369332"/>
+              <a:off x="11086759" y="2200676"/>
+              <a:ext cx="595035" cy="584775"/>
             </a:xfrm>
             <a:prstGeom prst="rect">
               <a:avLst/>
@@ -4075,230 +4392,14 @@
             <a:lstStyle/>
             <a:p>
               <a:r>
-                <a:rPr lang="en-US" b="1" dirty="0"/>
-                <a:t>DQN</a:t>
+                <a:rPr lang="zh-CN" altLang="en-US" sz="3200" b="1" dirty="0"/>
+                <a:t>？</a:t>
               </a:r>
-            </a:p>
-          </p:txBody>
-        </p:sp>
-        <p:sp>
-          <p:nvSpPr>
-            <p:cNvPr id="34" name="TextBox 33">
-              <a:extLst>
-                <a:ext uri="{FF2B5EF4-FFF2-40B4-BE49-F238E27FC236}">
-                  <a16:creationId xmlns:a16="http://schemas.microsoft.com/office/drawing/2014/main" id="{B39F71A4-6FC7-F566-BFE5-88AFC4FABCCF}"/>
-                </a:ext>
-              </a:extLst>
-            </p:cNvPr>
-            <p:cNvSpPr txBox="1"/>
-            <p:nvPr/>
-          </p:nvSpPr>
-          <p:spPr>
-            <a:xfrm>
-              <a:off x="2367888" y="3337034"/>
-              <a:ext cx="915635" cy="369332"/>
-            </a:xfrm>
-            <a:prstGeom prst="rect">
-              <a:avLst/>
-            </a:prstGeom>
-            <a:noFill/>
-          </p:spPr>
-          <p:txBody>
-            <a:bodyPr wrap="none" rtlCol="0">
-              <a:spAutoFit/>
-            </a:bodyPr>
-            <a:lstStyle/>
-            <a:p>
-              <a:r>
-                <a:rPr lang="en-US" b="1" dirty="0"/>
-                <a:t>GORILA</a:t>
-              </a:r>
-            </a:p>
-          </p:txBody>
-        </p:sp>
-        <p:sp>
-          <p:nvSpPr>
-            <p:cNvPr id="35" name="TextBox 34">
-              <a:extLst>
-                <a:ext uri="{FF2B5EF4-FFF2-40B4-BE49-F238E27FC236}">
-                  <a16:creationId xmlns:a16="http://schemas.microsoft.com/office/drawing/2014/main" id="{ECFED3C2-A4DC-F437-D049-9D1A41F1A132}"/>
-                </a:ext>
-              </a:extLst>
-            </p:cNvPr>
-            <p:cNvSpPr txBox="1"/>
-            <p:nvPr/>
-          </p:nvSpPr>
-          <p:spPr>
-            <a:xfrm>
-              <a:off x="4186901" y="3331778"/>
-              <a:ext cx="558166" cy="369332"/>
-            </a:xfrm>
-            <a:prstGeom prst="rect">
-              <a:avLst/>
-            </a:prstGeom>
-            <a:noFill/>
-          </p:spPr>
-          <p:txBody>
-            <a:bodyPr wrap="none" rtlCol="0">
-              <a:spAutoFit/>
-            </a:bodyPr>
-            <a:lstStyle/>
-            <a:p>
-              <a:r>
-                <a:rPr lang="en-US" b="1" dirty="0"/>
-                <a:t>A3C</a:t>
-              </a:r>
-            </a:p>
-          </p:txBody>
-        </p:sp>
-        <p:sp>
-          <p:nvSpPr>
-            <p:cNvPr id="37" name="TextBox 36">
-              <a:extLst>
-                <a:ext uri="{FF2B5EF4-FFF2-40B4-BE49-F238E27FC236}">
-                  <a16:creationId xmlns:a16="http://schemas.microsoft.com/office/drawing/2014/main" id="{860B1DB5-FD30-9F42-63E2-C0C6A4B5EBEF}"/>
-                </a:ext>
-              </a:extLst>
-            </p:cNvPr>
-            <p:cNvSpPr txBox="1"/>
-            <p:nvPr/>
-          </p:nvSpPr>
-          <p:spPr>
-            <a:xfrm>
-              <a:off x="5778287" y="3331778"/>
-              <a:ext cx="689612" cy="369332"/>
-            </a:xfrm>
-            <a:prstGeom prst="rect">
-              <a:avLst/>
-            </a:prstGeom>
-            <a:noFill/>
-          </p:spPr>
-          <p:txBody>
-            <a:bodyPr wrap="none" rtlCol="0">
-              <a:spAutoFit/>
-            </a:bodyPr>
-            <a:lstStyle/>
-            <a:p>
-              <a:r>
-                <a:rPr lang="en-US" b="1" dirty="0"/>
-                <a:t>ApeX</a:t>
-              </a:r>
-            </a:p>
-          </p:txBody>
-        </p:sp>
-        <p:sp>
-          <p:nvSpPr>
-            <p:cNvPr id="39" name="TextBox 38">
-              <a:extLst>
-                <a:ext uri="{FF2B5EF4-FFF2-40B4-BE49-F238E27FC236}">
-                  <a16:creationId xmlns:a16="http://schemas.microsoft.com/office/drawing/2014/main" id="{F773E71D-C2AE-7216-63A1-6034A51AC141}"/>
-                </a:ext>
-              </a:extLst>
-            </p:cNvPr>
-            <p:cNvSpPr txBox="1"/>
-            <p:nvPr/>
-          </p:nvSpPr>
-          <p:spPr>
-            <a:xfrm>
-              <a:off x="7313248" y="3331778"/>
-              <a:ext cx="932050" cy="369332"/>
-            </a:xfrm>
-            <a:prstGeom prst="rect">
-              <a:avLst/>
-            </a:prstGeom>
-            <a:noFill/>
-          </p:spPr>
-          <p:txBody>
-            <a:bodyPr wrap="none" rtlCol="0">
-              <a:spAutoFit/>
-            </a:bodyPr>
-            <a:lstStyle/>
-            <a:p>
-              <a:r>
-                <a:rPr lang="en-US" b="1" dirty="0"/>
-                <a:t>IMPALA</a:t>
-              </a:r>
-            </a:p>
-          </p:txBody>
-        </p:sp>
-        <p:sp>
-          <p:nvSpPr>
-            <p:cNvPr id="41" name="TextBox 40">
-              <a:extLst>
-                <a:ext uri="{FF2B5EF4-FFF2-40B4-BE49-F238E27FC236}">
-                  <a16:creationId xmlns:a16="http://schemas.microsoft.com/office/drawing/2014/main" id="{4DF2ADB8-60CF-50E3-3E37-032A833C95B5}"/>
-                </a:ext>
-              </a:extLst>
-            </p:cNvPr>
-            <p:cNvSpPr txBox="1"/>
-            <p:nvPr/>
-          </p:nvSpPr>
-          <p:spPr>
-            <a:xfrm>
-              <a:off x="8960312" y="3331778"/>
-              <a:ext cx="891591" cy="369332"/>
-            </a:xfrm>
-            <a:prstGeom prst="rect">
-              <a:avLst/>
-            </a:prstGeom>
-            <a:noFill/>
-          </p:spPr>
-          <p:txBody>
-            <a:bodyPr wrap="none" rtlCol="0">
-              <a:spAutoFit/>
-            </a:bodyPr>
-            <a:lstStyle/>
-            <a:p>
-              <a:r>
-                <a:rPr lang="en-US" b="1" dirty="0"/>
-                <a:t>SEEDRL</a:t>
-              </a:r>
+              <a:endParaRPr lang="en-US" sz="3200" b="1" dirty="0"/>
             </a:p>
           </p:txBody>
         </p:sp>
       </p:grpSp>
-      <p:cxnSp>
-        <p:nvCxnSpPr>
-          <p:cNvPr id="44" name="Straight Connector 43">
-            <a:extLst>
-              <a:ext uri="{FF2B5EF4-FFF2-40B4-BE49-F238E27FC236}">
-                <a16:creationId xmlns:a16="http://schemas.microsoft.com/office/drawing/2014/main" id="{3E8BC492-A88F-CF62-32F9-8C5EAD3EA8C7}"/>
-              </a:ext>
-            </a:extLst>
-          </p:cNvPr>
-          <p:cNvCxnSpPr>
-            <a:cxnSpLocks/>
-          </p:cNvCxnSpPr>
-          <p:nvPr/>
-        </p:nvCxnSpPr>
-        <p:spPr>
-          <a:xfrm>
-            <a:off x="10031898" y="2441713"/>
-            <a:ext cx="417444" cy="0"/>
-          </a:xfrm>
-          <a:prstGeom prst="line">
-            <a:avLst/>
-          </a:prstGeom>
-          <a:ln w="19050"/>
-          <a:effectLst>
-            <a:reflection blurRad="6350" stA="50000" endA="300" endPos="90000" dir="5400000" sy="-100000" algn="bl" rotWithShape="0"/>
-          </a:effectLst>
-        </p:spPr>
-        <p:style>
-          <a:lnRef idx="1">
-            <a:schemeClr val="dk1"/>
-          </a:lnRef>
-          <a:fillRef idx="0">
-            <a:schemeClr val="dk1"/>
-          </a:fillRef>
-          <a:effectRef idx="0">
-            <a:schemeClr val="dk1"/>
-          </a:effectRef>
-          <a:fontRef idx="minor">
-            <a:schemeClr val="tx1"/>
-          </a:fontRef>
-        </p:style>
-      </p:cxnSp>
     </p:spTree>
     <p:extLst>
       <p:ext uri="{BB962C8B-B14F-4D97-AF65-F5344CB8AC3E}">
